--- a/Govorun/Документы/Компоновка окон.pptx
+++ b/Govorun/Документы/Компоновка окон.pptx
@@ -8,6 +8,7 @@
     <p:sldId id="256" r:id="rId2"/>
     <p:sldId id="258" r:id="rId3"/>
     <p:sldId id="257" r:id="rId4"/>
+    <p:sldId id="259" r:id="rId5"/>
   </p:sldIdLst>
   <p:sldSz cx="9144000" cy="5143500" type="screen16x9"/>
   <p:notesSz cx="6858000" cy="9144000"/>
@@ -5356,6 +5357,311 @@
     <p:extLst>
       <p:ext uri="{BB962C8B-B14F-4D97-AF65-F5344CB8AC3E}">
         <p14:creationId xmlns:p14="http://schemas.microsoft.com/office/powerpoint/2010/main" val="834082598"/>
+      </p:ext>
+    </p:extLst>
+  </p:cSld>
+  <p:clrMapOvr>
+    <a:masterClrMapping/>
+  </p:clrMapOvr>
+</p:sld>
+</file>
+
+<file path=ppt/slides/slide4.xml><?xml version="1.0" encoding="utf-8"?>
+<p:sld xmlns:a="http://schemas.openxmlformats.org/drawingml/2006/main" xmlns:r="http://schemas.openxmlformats.org/officeDocument/2006/relationships" xmlns:p="http://schemas.openxmlformats.org/presentationml/2006/main">
+  <p:cSld>
+    <p:spTree>
+      <p:nvGrpSpPr>
+        <p:cNvPr id="1" name="">
+          <a:extLst>
+            <a:ext uri="{FF2B5EF4-FFF2-40B4-BE49-F238E27FC236}">
+              <a16:creationId xmlns:a16="http://schemas.microsoft.com/office/drawing/2014/main" id="{6B013F9E-BA63-8F98-567B-ED701A3CA4E9}"/>
+            </a:ext>
+          </a:extLst>
+        </p:cNvPr>
+        <p:cNvGrpSpPr/>
+        <p:nvPr/>
+      </p:nvGrpSpPr>
+      <p:grpSpPr>
+        <a:xfrm>
+          <a:off x="0" y="0"/>
+          <a:ext cx="0" cy="0"/>
+          <a:chOff x="0" y="0"/>
+          <a:chExt cx="0" cy="0"/>
+        </a:xfrm>
+      </p:grpSpPr>
+      <p:sp>
+        <p:nvSpPr>
+          <p:cNvPr id="16" name="Прямоугольник 15">
+            <a:extLst>
+              <a:ext uri="{FF2B5EF4-FFF2-40B4-BE49-F238E27FC236}">
+                <a16:creationId xmlns:a16="http://schemas.microsoft.com/office/drawing/2014/main" id="{073EE511-DF6A-C284-C305-1833BC71B6BD}"/>
+              </a:ext>
+            </a:extLst>
+          </p:cNvPr>
+          <p:cNvSpPr/>
+          <p:nvPr/>
+        </p:nvSpPr>
+        <p:spPr>
+          <a:xfrm>
+            <a:off x="241409" y="1272540"/>
+            <a:ext cx="8661182" cy="3101340"/>
+          </a:xfrm>
+          <a:prstGeom prst="rect">
+            <a:avLst/>
+          </a:prstGeom>
+        </p:spPr>
+        <p:style>
+          <a:lnRef idx="2">
+            <a:schemeClr val="dk1"/>
+          </a:lnRef>
+          <a:fillRef idx="1">
+            <a:schemeClr val="lt1"/>
+          </a:fillRef>
+          <a:effectRef idx="0">
+            <a:schemeClr val="dk1"/>
+          </a:effectRef>
+          <a:fontRef idx="minor">
+            <a:schemeClr val="dk1"/>
+          </a:fontRef>
+        </p:style>
+        <p:txBody>
+          <a:bodyPr rtlCol="0" anchor="ctr"/>
+          <a:lstStyle/>
+          <a:p>
+            <a:pPr algn="ctr"/>
+            <a:r>
+              <a:rPr lang="ru-RU" sz="1200" dirty="0"/>
+              <a:t>Содержание: </a:t>
+            </a:r>
+            <a:r>
+              <a:rPr lang="en-US" sz="1200" dirty="0" err="1"/>
+              <a:t>ListView</a:t>
+            </a:r>
+            <a:endParaRPr lang="ru-RU" sz="1200" dirty="0"/>
+          </a:p>
+        </p:txBody>
+      </p:sp>
+      <p:sp>
+        <p:nvSpPr>
+          <p:cNvPr id="17" name="Прямоугольник 16">
+            <a:extLst>
+              <a:ext uri="{FF2B5EF4-FFF2-40B4-BE49-F238E27FC236}">
+                <a16:creationId xmlns:a16="http://schemas.microsoft.com/office/drawing/2014/main" id="{FF442A6E-E976-99B4-11CE-5A91D5C31575}"/>
+              </a:ext>
+            </a:extLst>
+          </p:cNvPr>
+          <p:cNvSpPr/>
+          <p:nvPr/>
+        </p:nvSpPr>
+        <p:spPr>
+          <a:xfrm>
+            <a:off x="1478022" y="4637294"/>
+            <a:ext cx="907296" cy="276999"/>
+          </a:xfrm>
+          <a:prstGeom prst="rect">
+            <a:avLst/>
+          </a:prstGeom>
+        </p:spPr>
+        <p:style>
+          <a:lnRef idx="2">
+            <a:schemeClr val="accent1">
+              <a:shade val="15000"/>
+            </a:schemeClr>
+          </a:lnRef>
+          <a:fillRef idx="1">
+            <a:schemeClr val="accent1"/>
+          </a:fillRef>
+          <a:effectRef idx="0">
+            <a:schemeClr val="accent1"/>
+          </a:effectRef>
+          <a:fontRef idx="minor">
+            <a:schemeClr val="lt1"/>
+          </a:fontRef>
+        </p:style>
+        <p:txBody>
+          <a:bodyPr rtlCol="0" anchor="ctr"/>
+          <a:lstStyle/>
+          <a:p>
+            <a:pPr algn="ctr"/>
+            <a:r>
+              <a:rPr lang="ru-RU" sz="1200" dirty="0"/>
+              <a:t>Изменить</a:t>
+            </a:r>
+          </a:p>
+        </p:txBody>
+      </p:sp>
+      <p:sp>
+        <p:nvSpPr>
+          <p:cNvPr id="27" name="Прямоугольник 26">
+            <a:extLst>
+              <a:ext uri="{FF2B5EF4-FFF2-40B4-BE49-F238E27FC236}">
+                <a16:creationId xmlns:a16="http://schemas.microsoft.com/office/drawing/2014/main" id="{C25CFBDB-BD2E-2D66-ED83-5DEC53E37B0A}"/>
+              </a:ext>
+            </a:extLst>
+          </p:cNvPr>
+          <p:cNvSpPr/>
+          <p:nvPr/>
+        </p:nvSpPr>
+        <p:spPr>
+          <a:xfrm>
+            <a:off x="7987755" y="4637296"/>
+            <a:ext cx="914836" cy="276999"/>
+          </a:xfrm>
+          <a:prstGeom prst="rect">
+            <a:avLst/>
+          </a:prstGeom>
+        </p:spPr>
+        <p:style>
+          <a:lnRef idx="2">
+            <a:schemeClr val="accent1">
+              <a:shade val="15000"/>
+            </a:schemeClr>
+          </a:lnRef>
+          <a:fillRef idx="1">
+            <a:schemeClr val="accent1"/>
+          </a:fillRef>
+          <a:effectRef idx="0">
+            <a:schemeClr val="accent1"/>
+          </a:effectRef>
+          <a:fontRef idx="minor">
+            <a:schemeClr val="lt1"/>
+          </a:fontRef>
+        </p:style>
+        <p:txBody>
+          <a:bodyPr rtlCol="0" anchor="ctr"/>
+          <a:lstStyle/>
+          <a:p>
+            <a:pPr algn="ctr"/>
+            <a:r>
+              <a:rPr lang="ru-RU" sz="1200" dirty="0"/>
+              <a:t>Закрыть</a:t>
+            </a:r>
+          </a:p>
+        </p:txBody>
+      </p:sp>
+      <p:sp>
+        <p:nvSpPr>
+          <p:cNvPr id="40" name="TextBox 39">
+            <a:extLst>
+              <a:ext uri="{FF2B5EF4-FFF2-40B4-BE49-F238E27FC236}">
+                <a16:creationId xmlns:a16="http://schemas.microsoft.com/office/drawing/2014/main" id="{D919DDB8-5586-AEAD-A59A-530B197C242E}"/>
+              </a:ext>
+            </a:extLst>
+          </p:cNvPr>
+          <p:cNvSpPr txBox="1"/>
+          <p:nvPr/>
+        </p:nvSpPr>
+        <p:spPr>
+          <a:xfrm>
+            <a:off x="4012392" y="280112"/>
+            <a:ext cx="1119217" cy="276999"/>
+          </a:xfrm>
+          <a:prstGeom prst="rect">
+            <a:avLst/>
+          </a:prstGeom>
+          <a:noFill/>
+        </p:spPr>
+        <p:txBody>
+          <a:bodyPr wrap="none" rtlCol="0">
+            <a:spAutoFit/>
+          </a:bodyPr>
+          <a:lstStyle/>
+          <a:p>
+            <a:r>
+              <a:rPr lang="ru-RU" sz="1200" dirty="0"/>
+              <a:t>Авторы книги</a:t>
+            </a:r>
+          </a:p>
+        </p:txBody>
+      </p:sp>
+      <p:sp>
+        <p:nvSpPr>
+          <p:cNvPr id="5" name="Прямоугольник 4">
+            <a:extLst>
+              <a:ext uri="{FF2B5EF4-FFF2-40B4-BE49-F238E27FC236}">
+                <a16:creationId xmlns:a16="http://schemas.microsoft.com/office/drawing/2014/main" id="{05276067-82C3-673F-D71B-3DFB6F0816A9}"/>
+              </a:ext>
+            </a:extLst>
+          </p:cNvPr>
+          <p:cNvSpPr/>
+          <p:nvPr/>
+        </p:nvSpPr>
+        <p:spPr>
+          <a:xfrm>
+            <a:off x="241409" y="4637294"/>
+            <a:ext cx="914836" cy="276999"/>
+          </a:xfrm>
+          <a:prstGeom prst="rect">
+            <a:avLst/>
+          </a:prstGeom>
+        </p:spPr>
+        <p:style>
+          <a:lnRef idx="2">
+            <a:schemeClr val="accent1">
+              <a:shade val="15000"/>
+            </a:schemeClr>
+          </a:lnRef>
+          <a:fillRef idx="1">
+            <a:schemeClr val="accent1"/>
+          </a:fillRef>
+          <a:effectRef idx="0">
+            <a:schemeClr val="accent1"/>
+          </a:effectRef>
+          <a:fontRef idx="minor">
+            <a:schemeClr val="lt1"/>
+          </a:fontRef>
+        </p:style>
+        <p:txBody>
+          <a:bodyPr rtlCol="0" anchor="ctr"/>
+          <a:lstStyle/>
+          <a:p>
+            <a:pPr algn="ctr"/>
+            <a:r>
+              <a:rPr lang="ru-RU" sz="1200" dirty="0"/>
+              <a:t>Слушать</a:t>
+            </a:r>
+          </a:p>
+        </p:txBody>
+      </p:sp>
+      <p:sp>
+        <p:nvSpPr>
+          <p:cNvPr id="6" name="TextBox 5">
+            <a:extLst>
+              <a:ext uri="{FF2B5EF4-FFF2-40B4-BE49-F238E27FC236}">
+                <a16:creationId xmlns:a16="http://schemas.microsoft.com/office/drawing/2014/main" id="{85E2D1C2-584F-C258-15E5-2337F475FC3C}"/>
+              </a:ext>
+            </a:extLst>
+          </p:cNvPr>
+          <p:cNvSpPr txBox="1"/>
+          <p:nvPr/>
+        </p:nvSpPr>
+        <p:spPr>
+          <a:xfrm>
+            <a:off x="3924227" y="725335"/>
+            <a:ext cx="1295547" cy="276999"/>
+          </a:xfrm>
+          <a:prstGeom prst="rect">
+            <a:avLst/>
+          </a:prstGeom>
+          <a:noFill/>
+        </p:spPr>
+        <p:txBody>
+          <a:bodyPr wrap="none" rtlCol="0">
+            <a:spAutoFit/>
+          </a:bodyPr>
+          <a:lstStyle/>
+          <a:p>
+            <a:r>
+              <a:rPr lang="ru-RU" sz="1200" dirty="0"/>
+              <a:t>Название книги</a:t>
+            </a:r>
+          </a:p>
+        </p:txBody>
+      </p:sp>
+    </p:spTree>
+    <p:extLst>
+      <p:ext uri="{BB962C8B-B14F-4D97-AF65-F5344CB8AC3E}">
+        <p14:creationId xmlns:p14="http://schemas.microsoft.com/office/powerpoint/2010/main" val="893895969"/>
       </p:ext>
     </p:extLst>
   </p:cSld>

--- a/Govorun/Документы/Компоновка окон.pptx
+++ b/Govorun/Документы/Компоновка окон.pptx
@@ -9,6 +9,7 @@
     <p:sldId id="258" r:id="rId3"/>
     <p:sldId id="257" r:id="rId4"/>
     <p:sldId id="259" r:id="rId5"/>
+    <p:sldId id="260" r:id="rId6"/>
   </p:sldIdLst>
   <p:sldSz cx="9144000" cy="5143500" type="screen16x9"/>
   <p:notesSz cx="6858000" cy="9144000"/>
@@ -246,7 +247,7 @@
           <a:p>
             <a:fld id="{781047C2-7623-4BEF-9A7A-050CAE085BCD}" type="datetimeFigureOut">
               <a:rPr lang="ru-RU" smtClean="0"/>
-              <a:t>14.02.2025</a:t>
+              <a:t>20.02.2025</a:t>
             </a:fld>
             <a:endParaRPr lang="ru-RU"/>
           </a:p>
@@ -416,7 +417,7 @@
           <a:p>
             <a:fld id="{781047C2-7623-4BEF-9A7A-050CAE085BCD}" type="datetimeFigureOut">
               <a:rPr lang="ru-RU" smtClean="0"/>
-              <a:t>14.02.2025</a:t>
+              <a:t>20.02.2025</a:t>
             </a:fld>
             <a:endParaRPr lang="ru-RU"/>
           </a:p>
@@ -596,7 +597,7 @@
           <a:p>
             <a:fld id="{781047C2-7623-4BEF-9A7A-050CAE085BCD}" type="datetimeFigureOut">
               <a:rPr lang="ru-RU" smtClean="0"/>
-              <a:t>14.02.2025</a:t>
+              <a:t>20.02.2025</a:t>
             </a:fld>
             <a:endParaRPr lang="ru-RU"/>
           </a:p>
@@ -766,7 +767,7 @@
           <a:p>
             <a:fld id="{781047C2-7623-4BEF-9A7A-050CAE085BCD}" type="datetimeFigureOut">
               <a:rPr lang="ru-RU" smtClean="0"/>
-              <a:t>14.02.2025</a:t>
+              <a:t>20.02.2025</a:t>
             </a:fld>
             <a:endParaRPr lang="ru-RU"/>
           </a:p>
@@ -1012,7 +1013,7 @@
           <a:p>
             <a:fld id="{781047C2-7623-4BEF-9A7A-050CAE085BCD}" type="datetimeFigureOut">
               <a:rPr lang="ru-RU" smtClean="0"/>
-              <a:t>14.02.2025</a:t>
+              <a:t>20.02.2025</a:t>
             </a:fld>
             <a:endParaRPr lang="ru-RU"/>
           </a:p>
@@ -1244,7 +1245,7 @@
           <a:p>
             <a:fld id="{781047C2-7623-4BEF-9A7A-050CAE085BCD}" type="datetimeFigureOut">
               <a:rPr lang="ru-RU" smtClean="0"/>
-              <a:t>14.02.2025</a:t>
+              <a:t>20.02.2025</a:t>
             </a:fld>
             <a:endParaRPr lang="ru-RU"/>
           </a:p>
@@ -1611,7 +1612,7 @@
           <a:p>
             <a:fld id="{781047C2-7623-4BEF-9A7A-050CAE085BCD}" type="datetimeFigureOut">
               <a:rPr lang="ru-RU" smtClean="0"/>
-              <a:t>14.02.2025</a:t>
+              <a:t>20.02.2025</a:t>
             </a:fld>
             <a:endParaRPr lang="ru-RU"/>
           </a:p>
@@ -1729,7 +1730,7 @@
           <a:p>
             <a:fld id="{781047C2-7623-4BEF-9A7A-050CAE085BCD}" type="datetimeFigureOut">
               <a:rPr lang="ru-RU" smtClean="0"/>
-              <a:t>14.02.2025</a:t>
+              <a:t>20.02.2025</a:t>
             </a:fld>
             <a:endParaRPr lang="ru-RU"/>
           </a:p>
@@ -1824,7 +1825,7 @@
           <a:p>
             <a:fld id="{781047C2-7623-4BEF-9A7A-050CAE085BCD}" type="datetimeFigureOut">
               <a:rPr lang="ru-RU" smtClean="0"/>
-              <a:t>14.02.2025</a:t>
+              <a:t>20.02.2025</a:t>
             </a:fld>
             <a:endParaRPr lang="ru-RU"/>
           </a:p>
@@ -2101,7 +2102,7 @@
           <a:p>
             <a:fld id="{781047C2-7623-4BEF-9A7A-050CAE085BCD}" type="datetimeFigureOut">
               <a:rPr lang="ru-RU" smtClean="0"/>
-              <a:t>14.02.2025</a:t>
+              <a:t>20.02.2025</a:t>
             </a:fld>
             <a:endParaRPr lang="ru-RU"/>
           </a:p>
@@ -2358,7 +2359,7 @@
           <a:p>
             <a:fld id="{781047C2-7623-4BEF-9A7A-050CAE085BCD}" type="datetimeFigureOut">
               <a:rPr lang="ru-RU" smtClean="0"/>
-              <a:t>14.02.2025</a:t>
+              <a:t>20.02.2025</a:t>
             </a:fld>
             <a:endParaRPr lang="ru-RU"/>
           </a:p>
@@ -2571,7 +2572,7 @@
           <a:p>
             <a:fld id="{781047C2-7623-4BEF-9A7A-050CAE085BCD}" type="datetimeFigureOut">
               <a:rPr lang="ru-RU" smtClean="0"/>
-              <a:t>14.02.2025</a:t>
+              <a:t>20.02.2025</a:t>
             </a:fld>
             <a:endParaRPr lang="ru-RU"/>
           </a:p>
@@ -5662,6 +5663,342 @@
     <p:extLst>
       <p:ext uri="{BB962C8B-B14F-4D97-AF65-F5344CB8AC3E}">
         <p14:creationId xmlns:p14="http://schemas.microsoft.com/office/powerpoint/2010/main" val="893895969"/>
+      </p:ext>
+    </p:extLst>
+  </p:cSld>
+  <p:clrMapOvr>
+    <a:masterClrMapping/>
+  </p:clrMapOvr>
+</p:sld>
+</file>
+
+<file path=ppt/slides/slide5.xml><?xml version="1.0" encoding="utf-8"?>
+<p:sld xmlns:a="http://schemas.openxmlformats.org/drawingml/2006/main" xmlns:r="http://schemas.openxmlformats.org/officeDocument/2006/relationships" xmlns:p="http://schemas.openxmlformats.org/presentationml/2006/main">
+  <p:cSld>
+    <p:spTree>
+      <p:nvGrpSpPr>
+        <p:cNvPr id="1" name="">
+          <a:extLst>
+            <a:ext uri="{FF2B5EF4-FFF2-40B4-BE49-F238E27FC236}">
+              <a16:creationId xmlns:a16="http://schemas.microsoft.com/office/drawing/2014/main" id="{91B69DE1-EC2F-9A6E-A4FD-CA1D3DC4A4EE}"/>
+            </a:ext>
+          </a:extLst>
+        </p:cNvPr>
+        <p:cNvGrpSpPr/>
+        <p:nvPr/>
+      </p:nvGrpSpPr>
+      <p:grpSpPr>
+        <a:xfrm>
+          <a:off x="0" y="0"/>
+          <a:ext cx="0" cy="0"/>
+          <a:chOff x="0" y="0"/>
+          <a:chExt cx="0" cy="0"/>
+        </a:xfrm>
+      </p:grpSpPr>
+      <p:sp>
+        <p:nvSpPr>
+          <p:cNvPr id="6" name="Прямоугольник 5">
+            <a:extLst>
+              <a:ext uri="{FF2B5EF4-FFF2-40B4-BE49-F238E27FC236}">
+                <a16:creationId xmlns:a16="http://schemas.microsoft.com/office/drawing/2014/main" id="{292386F5-B56D-21A5-5397-2C6D5FAE0A95}"/>
+              </a:ext>
+            </a:extLst>
+          </p:cNvPr>
+          <p:cNvSpPr/>
+          <p:nvPr/>
+        </p:nvSpPr>
+        <p:spPr>
+          <a:xfrm>
+            <a:off x="294334" y="1422127"/>
+            <a:ext cx="4288132" cy="276999"/>
+          </a:xfrm>
+          <a:prstGeom prst="rect">
+            <a:avLst/>
+          </a:prstGeom>
+        </p:spPr>
+        <p:style>
+          <a:lnRef idx="2">
+            <a:schemeClr val="dk1"/>
+          </a:lnRef>
+          <a:fillRef idx="1">
+            <a:schemeClr val="lt1"/>
+          </a:fillRef>
+          <a:effectRef idx="0">
+            <a:schemeClr val="dk1"/>
+          </a:effectRef>
+          <a:fontRef idx="minor">
+            <a:schemeClr val="dk1"/>
+          </a:fontRef>
+        </p:style>
+        <p:txBody>
+          <a:bodyPr rtlCol="0" anchor="ctr"/>
+          <a:lstStyle/>
+          <a:p>
+            <a:pPr algn="ctr"/>
+            <a:r>
+              <a:rPr lang="en-US" sz="1200" dirty="0" err="1"/>
+              <a:t>TextBox</a:t>
+            </a:r>
+            <a:endParaRPr lang="ru-RU" sz="1200" dirty="0"/>
+          </a:p>
+        </p:txBody>
+      </p:sp>
+      <p:sp>
+        <p:nvSpPr>
+          <p:cNvPr id="17" name="Прямоугольник 16">
+            <a:extLst>
+              <a:ext uri="{FF2B5EF4-FFF2-40B4-BE49-F238E27FC236}">
+                <a16:creationId xmlns:a16="http://schemas.microsoft.com/office/drawing/2014/main" id="{5558BE13-2203-8FD2-916F-B39820CD551A}"/>
+              </a:ext>
+            </a:extLst>
+          </p:cNvPr>
+          <p:cNvSpPr/>
+          <p:nvPr/>
+        </p:nvSpPr>
+        <p:spPr>
+          <a:xfrm>
+            <a:off x="294334" y="1976125"/>
+            <a:ext cx="923838" cy="276999"/>
+          </a:xfrm>
+          <a:prstGeom prst="rect">
+            <a:avLst/>
+          </a:prstGeom>
+        </p:spPr>
+        <p:style>
+          <a:lnRef idx="2">
+            <a:schemeClr val="accent1">
+              <a:shade val="15000"/>
+            </a:schemeClr>
+          </a:lnRef>
+          <a:fillRef idx="1">
+            <a:schemeClr val="accent1"/>
+          </a:fillRef>
+          <a:effectRef idx="0">
+            <a:schemeClr val="accent1"/>
+          </a:effectRef>
+          <a:fontRef idx="minor">
+            <a:schemeClr val="lt1"/>
+          </a:fontRef>
+        </p:style>
+        <p:txBody>
+          <a:bodyPr rtlCol="0" anchor="ctr"/>
+          <a:lstStyle/>
+          <a:p>
+            <a:pPr algn="ctr"/>
+            <a:r>
+              <a:rPr lang="ru-RU" sz="1200" dirty="0"/>
+              <a:t>Выбрать</a:t>
+            </a:r>
+          </a:p>
+        </p:txBody>
+      </p:sp>
+      <p:sp>
+        <p:nvSpPr>
+          <p:cNvPr id="24" name="Прямоугольник 23">
+            <a:extLst>
+              <a:ext uri="{FF2B5EF4-FFF2-40B4-BE49-F238E27FC236}">
+                <a16:creationId xmlns:a16="http://schemas.microsoft.com/office/drawing/2014/main" id="{F16B43B4-CF2F-6A04-307F-890FBE261D3D}"/>
+              </a:ext>
+            </a:extLst>
+          </p:cNvPr>
+          <p:cNvSpPr/>
+          <p:nvPr/>
+        </p:nvSpPr>
+        <p:spPr>
+          <a:xfrm>
+            <a:off x="3658628" y="1976125"/>
+            <a:ext cx="923838" cy="276999"/>
+          </a:xfrm>
+          <a:prstGeom prst="rect">
+            <a:avLst/>
+          </a:prstGeom>
+        </p:spPr>
+        <p:style>
+          <a:lnRef idx="2">
+            <a:schemeClr val="accent1">
+              <a:shade val="15000"/>
+            </a:schemeClr>
+          </a:lnRef>
+          <a:fillRef idx="1">
+            <a:schemeClr val="accent1"/>
+          </a:fillRef>
+          <a:effectRef idx="0">
+            <a:schemeClr val="accent1"/>
+          </a:effectRef>
+          <a:fontRef idx="minor">
+            <a:schemeClr val="lt1"/>
+          </a:fontRef>
+        </p:style>
+        <p:txBody>
+          <a:bodyPr rtlCol="0" anchor="ctr"/>
+          <a:lstStyle/>
+          <a:p>
+            <a:pPr algn="ctr"/>
+            <a:r>
+              <a:rPr lang="ru-RU" sz="1200" dirty="0"/>
+              <a:t>Закрыть</a:t>
+            </a:r>
+          </a:p>
+        </p:txBody>
+      </p:sp>
+      <p:sp>
+        <p:nvSpPr>
+          <p:cNvPr id="38" name="TextBox 37">
+            <a:extLst>
+              <a:ext uri="{FF2B5EF4-FFF2-40B4-BE49-F238E27FC236}">
+                <a16:creationId xmlns:a16="http://schemas.microsoft.com/office/drawing/2014/main" id="{1654CE90-4FEA-6DDF-8061-93DB97F9F3CF}"/>
+              </a:ext>
+            </a:extLst>
+          </p:cNvPr>
+          <p:cNvSpPr txBox="1"/>
+          <p:nvPr/>
+        </p:nvSpPr>
+        <p:spPr>
+          <a:xfrm>
+            <a:off x="204737" y="1145128"/>
+            <a:ext cx="1293944" cy="276999"/>
+          </a:xfrm>
+          <a:prstGeom prst="rect">
+            <a:avLst/>
+          </a:prstGeom>
+          <a:noFill/>
+        </p:spPr>
+        <p:txBody>
+          <a:bodyPr wrap="none" rtlCol="0">
+            <a:spAutoFit/>
+          </a:bodyPr>
+          <a:lstStyle/>
+          <a:p>
+            <a:r>
+              <a:rPr lang="ru-RU" sz="1200" dirty="0"/>
+              <a:t>Файл не найден</a:t>
+            </a:r>
+          </a:p>
+        </p:txBody>
+      </p:sp>
+      <p:sp>
+        <p:nvSpPr>
+          <p:cNvPr id="39" name="TextBox 38">
+            <a:extLst>
+              <a:ext uri="{FF2B5EF4-FFF2-40B4-BE49-F238E27FC236}">
+                <a16:creationId xmlns:a16="http://schemas.microsoft.com/office/drawing/2014/main" id="{FCDDD479-8935-0312-DC00-D3D488232067}"/>
+              </a:ext>
+            </a:extLst>
+          </p:cNvPr>
+          <p:cNvSpPr txBox="1"/>
+          <p:nvPr/>
+        </p:nvSpPr>
+        <p:spPr>
+          <a:xfrm>
+            <a:off x="1878792" y="257252"/>
+            <a:ext cx="1119217" cy="276999"/>
+          </a:xfrm>
+          <a:prstGeom prst="rect">
+            <a:avLst/>
+          </a:prstGeom>
+          <a:noFill/>
+        </p:spPr>
+        <p:txBody>
+          <a:bodyPr wrap="none" rtlCol="0">
+            <a:spAutoFit/>
+          </a:bodyPr>
+          <a:lstStyle/>
+          <a:p>
+            <a:r>
+              <a:rPr lang="ru-RU" sz="1200" dirty="0"/>
+              <a:t>Авторы книги</a:t>
+            </a:r>
+          </a:p>
+        </p:txBody>
+      </p:sp>
+      <p:sp>
+        <p:nvSpPr>
+          <p:cNvPr id="40" name="TextBox 39">
+            <a:extLst>
+              <a:ext uri="{FF2B5EF4-FFF2-40B4-BE49-F238E27FC236}">
+                <a16:creationId xmlns:a16="http://schemas.microsoft.com/office/drawing/2014/main" id="{D82BD32D-E66C-9D0F-D274-26C65A387F81}"/>
+              </a:ext>
+            </a:extLst>
+          </p:cNvPr>
+          <p:cNvSpPr txBox="1"/>
+          <p:nvPr/>
+        </p:nvSpPr>
+        <p:spPr>
+          <a:xfrm>
+            <a:off x="1790627" y="702475"/>
+            <a:ext cx="1295547" cy="276999"/>
+          </a:xfrm>
+          <a:prstGeom prst="rect">
+            <a:avLst/>
+          </a:prstGeom>
+          <a:noFill/>
+        </p:spPr>
+        <p:txBody>
+          <a:bodyPr wrap="none" rtlCol="0">
+            <a:spAutoFit/>
+          </a:bodyPr>
+          <a:lstStyle/>
+          <a:p>
+            <a:r>
+              <a:rPr lang="ru-RU" sz="1200" dirty="0"/>
+              <a:t>Название книги</a:t>
+            </a:r>
+          </a:p>
+        </p:txBody>
+      </p:sp>
+      <p:sp>
+        <p:nvSpPr>
+          <p:cNvPr id="41" name="Прямоугольник 40">
+            <a:extLst>
+              <a:ext uri="{FF2B5EF4-FFF2-40B4-BE49-F238E27FC236}">
+                <a16:creationId xmlns:a16="http://schemas.microsoft.com/office/drawing/2014/main" id="{F46838E2-5316-174E-D02D-565A4A2DFCB3}"/>
+              </a:ext>
+            </a:extLst>
+          </p:cNvPr>
+          <p:cNvSpPr/>
+          <p:nvPr/>
+        </p:nvSpPr>
+        <p:spPr>
+          <a:xfrm>
+            <a:off x="2536090" y="1976125"/>
+            <a:ext cx="923838" cy="276999"/>
+          </a:xfrm>
+          <a:prstGeom prst="rect">
+            <a:avLst/>
+          </a:prstGeom>
+        </p:spPr>
+        <p:style>
+          <a:lnRef idx="2">
+            <a:schemeClr val="accent1">
+              <a:shade val="15000"/>
+            </a:schemeClr>
+          </a:lnRef>
+          <a:fillRef idx="1">
+            <a:schemeClr val="accent1"/>
+          </a:fillRef>
+          <a:effectRef idx="0">
+            <a:schemeClr val="accent1"/>
+          </a:effectRef>
+          <a:fontRef idx="minor">
+            <a:schemeClr val="lt1"/>
+          </a:fontRef>
+        </p:style>
+        <p:txBody>
+          <a:bodyPr rtlCol="0" anchor="ctr"/>
+          <a:lstStyle/>
+          <a:p>
+            <a:pPr algn="ctr"/>
+            <a:r>
+              <a:rPr lang="ru-RU" sz="1200" dirty="0"/>
+              <a:t>Сохранить</a:t>
+            </a:r>
+          </a:p>
+        </p:txBody>
+      </p:sp>
+    </p:spTree>
+    <p:extLst>
+      <p:ext uri="{BB962C8B-B14F-4D97-AF65-F5344CB8AC3E}">
+        <p14:creationId xmlns:p14="http://schemas.microsoft.com/office/powerpoint/2010/main" val="3378371406"/>
       </p:ext>
     </p:extLst>
   </p:cSld>
